--- a/Whiteboard design session/WDS trainer presentation - Linux lift and shift.pptx
+++ b/Whiteboard design session/WDS trainer presentation - Linux lift and shift.pptx
@@ -240,7 +240,7 @@
           <a:p>
             <a:fld id="{52A13B17-C506-4D51-BB37-16B365906619}" type="datetimeFigureOut">
               <a:rPr lang="en-US" smtClean="0"/>
-              <a:t>10/16/2018</a:t>
+              <a:t>12/20/2018</a:t>
             </a:fld>
             <a:endParaRPr lang="en-US" dirty="0"/>
           </a:p>
@@ -3622,7 +3622,7 @@
                   <a:prstClr val="black"/>
                 </a:solidFill>
               </a:rPr>
-              <a:t>10/16/2018 8:14 PM</a:t>
+              <a:t>12/20/2018 1:29 PM</a:t>
             </a:fld>
             <a:endParaRPr lang="en-US" dirty="0">
               <a:solidFill>
@@ -21286,7 +21286,7 @@
             </a:pPr>
             <a:r>
               <a:rPr lang="en-US" sz="3600" dirty="0"/>
-              <a:t>OMS</a:t>
+              <a:t>Azure Monitor</a:t>
             </a:r>
             <a:endParaRPr lang="en-US" dirty="0"/>
           </a:p>
@@ -21294,7 +21294,7 @@
             <a:pPr marL="572135" lvl="1" indent="-236220"/>
             <a:r>
               <a:rPr lang="en-US" sz="2800" dirty="0"/>
-              <a:t>Log Analytics platform deployed for support and monitoring.</a:t>
+              <a:t>Azure Log Analytics will be leveraged for support and monitoring.</a:t>
             </a:r>
             <a:endParaRPr lang="en-US" sz="2800" dirty="0">
               <a:cs typeface="Segoe UI Semilight"/>
@@ -21304,27 +21304,23 @@
             <a:pPr marL="572135" lvl="1" indent="-236220"/>
             <a:r>
               <a:rPr lang="en-US" sz="2800" dirty="0"/>
-              <a:t>VMs will be updated using Software Update Management solutions.</a:t>
-            </a:r>
-            <a:endParaRPr lang="en-US" sz="2800" dirty="0">
-              <a:cs typeface="Segoe UI Semilight"/>
-            </a:endParaRPr>
+              <a:t>VMs will be updated using Azure Automation Update Management.</a:t>
+            </a:r>
           </a:p>
           <a:p>
             <a:pPr marL="572135" lvl="1" indent="-236220"/>
             <a:r>
+              <a:rPr lang="en-US" sz="2800" dirty="0">
+                <a:cs typeface="Segoe UI Semilight"/>
+              </a:rPr>
+              <a:t>Azure Security Center will be leveraged to monitor for potential security issues.</a:t>
+            </a:r>
+          </a:p>
+          <a:p>
+            <a:pPr marL="572135" lvl="1" indent="-236220"/>
+            <a:r>
               <a:rPr lang="en-US" sz="2800" dirty="0"/>
-              <a:t>VM scale sets cannot be managed with OMS, but VMs will log data to Azure Storage which will be monitored.</a:t>
-            </a:r>
-            <a:endParaRPr lang="en-US" sz="2800" dirty="0">
-              <a:cs typeface="Segoe UI Semilight"/>
-            </a:endParaRPr>
-          </a:p>
-          <a:p>
-            <a:pPr marL="572135" lvl="1" indent="-236220"/>
-            <a:r>
-              <a:rPr lang="en-US" sz="2800" dirty="0"/>
-              <a:t>Azure Automation will be trigged by a Web Hook from Log Analytics when known errors occurs and to reboot impacted VMs using a Run Book.</a:t>
+              <a:t>Azure Automation will be trigged by a Web Hook from Log Analytics when known errors occur and to reboot impacted VMs using a Run Book.</a:t>
             </a:r>
             <a:endParaRPr lang="en-US" sz="2800" dirty="0">
               <a:cs typeface="Segoe UI Semilight"/>
@@ -22055,14 +22051,16 @@
       </p:sp>
       <p:pic>
         <p:nvPicPr>
-          <p:cNvPr id="6" name="Picture 5" descr="Phase 1 - Networking preferred solution&#10;&#10;Diagram of the Phase 1 - Networking preferred solution.&#10;&#10;&#10;&#10;">
+          <p:cNvPr id="96" name="Picture 95" descr="Diagram of the Phase 1 networking that depicts the preferred solution. The Tokyo datacenter is connected to the gateway virtual network in Azure via ExpressRoute. In Azure, the OsTickeVNET and the MySQLVNET virtual networks are each peered to the gateway virtual network as well as being peered to each other. Azure resources are deployed to the Japan East region.">
             <a:extLst>
               <a:ext uri="{FF2B5EF4-FFF2-40B4-BE49-F238E27FC236}">
-                <a16:creationId xmlns:a16="http://schemas.microsoft.com/office/drawing/2014/main" id="{FE5E158D-F948-463B-B5F8-1B3D471138E5}"/>
+                <a16:creationId xmlns:a16="http://schemas.microsoft.com/office/drawing/2014/main" id="{80E49A44-E0A9-46B4-A5BE-DAB44DE1F6D1}"/>
               </a:ext>
             </a:extLst>
           </p:cNvPr>
-          <p:cNvPicPr/>
+          <p:cNvPicPr>
+            <a:picLocks noChangeAspect="1"/>
+          </p:cNvPicPr>
           <p:nvPr/>
         </p:nvPicPr>
         <p:blipFill>
@@ -22073,8 +22071,8 @@
         </p:blipFill>
         <p:spPr>
           <a:xfrm>
-            <a:off x="1094759" y="1067878"/>
-            <a:ext cx="10325911" cy="5510204"/>
+            <a:off x="1142794" y="1177042"/>
+            <a:ext cx="10060594" cy="5391447"/>
           </a:xfrm>
           <a:prstGeom prst="rect">
             <a:avLst/>
@@ -23293,7 +23291,9 @@
             </a:endParaRPr>
           </a:p>
           <a:p>
-            <a:pPr marL="335915" indent="-335915"/>
+            <a:pPr marL="0" indent="0">
+              <a:buNone/>
+            </a:pPr>
             <a:r>
               <a:rPr lang="en-US" sz="3600" dirty="0"/>
               <a:t>RBAC</a:t>
@@ -24568,14 +24568,16 @@
       </p:sp>
       <p:pic>
         <p:nvPicPr>
-          <p:cNvPr id="6" name="Picture 5" descr="Phase 2 - Networking preferred solution&#10;&#10;Diagram of the Phase 2 - Networking preferred solution.">
+          <p:cNvPr id="3" name="Picture 2" descr="Diagram of the Phase 2 that depicts the preferred solution. The Tokyo datacenter is connected to the gateway virtual network in Azure via ExpressRoute. In Azure, the Azure Web Apps and MySQL Paas services are connected directly via the ExpressRoute circuit. Azure resources are deployed to the Japan East region.">
             <a:extLst>
               <a:ext uri="{FF2B5EF4-FFF2-40B4-BE49-F238E27FC236}">
-                <a16:creationId xmlns:a16="http://schemas.microsoft.com/office/drawing/2014/main" id="{67DF0131-976D-4CE4-92C1-F00647ADFC72}"/>
+                <a16:creationId xmlns:a16="http://schemas.microsoft.com/office/drawing/2014/main" id="{2131255A-0027-4922-B15D-5A76DC6461ED}"/>
               </a:ext>
             </a:extLst>
           </p:cNvPr>
-          <p:cNvPicPr/>
+          <p:cNvPicPr>
+            <a:picLocks noChangeAspect="1"/>
+          </p:cNvPicPr>
           <p:nvPr/>
         </p:nvPicPr>
         <p:blipFill>
@@ -24586,8 +24588,8 @@
         </p:blipFill>
         <p:spPr>
           <a:xfrm>
-            <a:off x="806893" y="1123860"/>
-            <a:ext cx="10580533" cy="5286269"/>
+            <a:off x="1098021" y="1110494"/>
+            <a:ext cx="10113318" cy="5518129"/>
           </a:xfrm>
           <a:prstGeom prst="rect">
             <a:avLst/>
@@ -26476,7 +26478,7 @@
             </a:pPr>
             <a:r>
               <a:rPr lang="en-US" sz="2800" dirty="0"/>
-              <a:t>This is understandable given the using the cloud for production application is new for many organizations.  The move first to IaaS should provide for a learning curve for the organization.  After this is well understood, a final move to PaaS will be the final step.</a:t>
+              <a:t>This is understandable given that using the cloud for production applications is new for many organizations.  Moving to IaaS first will provide for an easier learning curve for the organization.  After this is well understood, a final move to PaaS will be the final step.</a:t>
             </a:r>
           </a:p>
           <a:p>
@@ -30642,12 +30644,12 @@
 </file>
 
 <file path=customXml/item1.xml><?xml version="1.0" encoding="utf-8"?>
-<?mso-contentType ?>
-<FormTemplates xmlns="http://schemas.microsoft.com/sharepoint/v3/contenttype/forms">
-  <Display>DocumentLibraryForm</Display>
-  <Edit>DocumentLibraryForm</Edit>
-  <New>DocumentLibraryForm</New>
-</FormTemplates>
+<p:properties xmlns:p="http://schemas.microsoft.com/office/2006/metadata/properties" xmlns:xsi="http://www.w3.org/2001/XMLSchema-instance" xmlns:pc="http://schemas.microsoft.com/office/infopath/2007/PartnerControls">
+  <documentManagement>
+    <_ip_UnifiedCompliancePolicyUIAction xmlns="http://schemas.microsoft.com/sharepoint/v3" xsi:nil="true"/>
+    <_ip_UnifiedCompliancePolicyProperties xmlns="http://schemas.microsoft.com/sharepoint/v3" xsi:nil="true"/>
+  </documentManagement>
+</p:properties>
 </file>
 
 <file path=customXml/item2.xml><?xml version="1.0" encoding="utf-8"?>
@@ -30853,18 +30855,28 @@
 </file>
 
 <file path=customXml/item3.xml><?xml version="1.0" encoding="utf-8"?>
-<p:properties xmlns:p="http://schemas.microsoft.com/office/2006/metadata/properties" xmlns:xsi="http://www.w3.org/2001/XMLSchema-instance" xmlns:pc="http://schemas.microsoft.com/office/infopath/2007/PartnerControls">
-  <documentManagement>
-    <_ip_UnifiedCompliancePolicyUIAction xmlns="http://schemas.microsoft.com/sharepoint/v3" xsi:nil="true"/>
-    <_ip_UnifiedCompliancePolicyProperties xmlns="http://schemas.microsoft.com/sharepoint/v3" xsi:nil="true"/>
-  </documentManagement>
-</p:properties>
+<?mso-contentType ?>
+<FormTemplates xmlns="http://schemas.microsoft.com/sharepoint/v3/contenttype/forms">
+  <Display>DocumentLibraryForm</Display>
+  <Edit>DocumentLibraryForm</Edit>
+  <New>DocumentLibraryForm</New>
+</FormTemplates>
 </file>
 
 <file path=customXml/itemProps1.xml><?xml version="1.0" encoding="utf-8"?>
-<ds:datastoreItem xmlns:ds="http://schemas.openxmlformats.org/officeDocument/2006/customXml" ds:itemID="{52046D9B-FB9B-4B5D-BA08-9FBF7274F384}">
+<ds:datastoreItem xmlns:ds="http://schemas.openxmlformats.org/officeDocument/2006/customXml" ds:itemID="{4AFB1F58-9ABB-4F18-89E6-A7B7284548E0}">
   <ds:schemaRefs>
-    <ds:schemaRef ds:uri="http://schemas.microsoft.com/sharepoint/v3/contenttype/forms"/>
+    <ds:schemaRef ds:uri="http://purl.org/dc/dcmitype/"/>
+    <ds:schemaRef ds:uri="http://schemas.microsoft.com/office/2006/metadata/properties"/>
+    <ds:schemaRef ds:uri="http://purl.org/dc/elements/1.1/"/>
+    <ds:schemaRef ds:uri="http://schemas.microsoft.com/office/2006/documentManagement/types"/>
+    <ds:schemaRef ds:uri="http://schemas.microsoft.com/office/infopath/2007/PartnerControls"/>
+    <ds:schemaRef ds:uri="http://purl.org/dc/terms/"/>
+    <ds:schemaRef ds:uri="http://schemas.openxmlformats.org/package/2006/metadata/core-properties"/>
+    <ds:schemaRef ds:uri="2023ac63-7b75-4916-a9ee-591457758eee"/>
+    <ds:schemaRef ds:uri="d9c797ad-d7c3-4982-82b7-81352a75e4a5"/>
+    <ds:schemaRef ds:uri="http://schemas.microsoft.com/sharepoint/v3"/>
+    <ds:schemaRef ds:uri="http://www.w3.org/XML/1998/namespace"/>
   </ds:schemaRefs>
 </ds:datastoreItem>
 </file>
@@ -30890,19 +30902,9 @@
 </file>
 
 <file path=customXml/itemProps3.xml><?xml version="1.0" encoding="utf-8"?>
-<ds:datastoreItem xmlns:ds="http://schemas.openxmlformats.org/officeDocument/2006/customXml" ds:itemID="{4AFB1F58-9ABB-4F18-89E6-A7B7284548E0}">
+<ds:datastoreItem xmlns:ds="http://schemas.openxmlformats.org/officeDocument/2006/customXml" ds:itemID="{52046D9B-FB9B-4B5D-BA08-9FBF7274F384}">
   <ds:schemaRefs>
-    <ds:schemaRef ds:uri="http://schemas.microsoft.com/office/2006/documentManagement/types"/>
-    <ds:schemaRef ds:uri="2023ac63-7b75-4916-a9ee-591457758eee"/>
-    <ds:schemaRef ds:uri="http://purl.org/dc/elements/1.1/"/>
-    <ds:schemaRef ds:uri="http://schemas.microsoft.com/office/2006/metadata/properties"/>
-    <ds:schemaRef ds:uri="http://schemas.microsoft.com/sharepoint/v3"/>
-    <ds:schemaRef ds:uri="http://purl.org/dc/terms/"/>
-    <ds:schemaRef ds:uri="http://schemas.openxmlformats.org/package/2006/metadata/core-properties"/>
-    <ds:schemaRef ds:uri="http://schemas.microsoft.com/office/infopath/2007/PartnerControls"/>
-    <ds:schemaRef ds:uri="d9c797ad-d7c3-4982-82b7-81352a75e4a5"/>
-    <ds:schemaRef ds:uri="http://www.w3.org/XML/1998/namespace"/>
-    <ds:schemaRef ds:uri="http://purl.org/dc/dcmitype/"/>
+    <ds:schemaRef ds:uri="http://schemas.microsoft.com/sharepoint/v3/contenttype/forms"/>
   </ds:schemaRefs>
 </ds:datastoreItem>
 </file>